--- a/pyWorks/자료/python_ppt/Python 7장. 클래스와 상속 .pptx
+++ b/pyWorks/자료/python_ppt/Python 7장. 클래스와 상속 .pptx
@@ -5,7 +5,7 @@
     <p:sldMasterId id="2147483648" r:id="rId1"/>
   </p:sldMasterIdLst>
   <p:notesMasterIdLst>
-    <p:notesMasterId r:id="rId62"/>
+    <p:notesMasterId r:id="rId64"/>
   </p:notesMasterIdLst>
   <p:sldIdLst>
     <p:sldId id="256" r:id="rId2"/>
@@ -68,6 +68,8 @@
     <p:sldId id="363" r:id="rId59"/>
     <p:sldId id="360" r:id="rId60"/>
     <p:sldId id="361" r:id="rId61"/>
+    <p:sldId id="387" r:id="rId62"/>
+    <p:sldId id="388" r:id="rId63"/>
   </p:sldIdLst>
   <p:sldSz cx="9906000" cy="6858000" type="A4"/>
   <p:notesSz cx="6858000" cy="9144000"/>
@@ -267,7 +269,7 @@
           <a:p>
             <a:fld id="{7665CDAC-D627-4E87-877A-1B781DD4CADC}" type="datetimeFigureOut">
               <a:rPr lang="ko-KR" altLang="en-US" smtClean="0"/>
-              <a:t>2023-04-27</a:t>
+              <a:t>2023-06-20</a:t>
             </a:fld>
             <a:endParaRPr lang="ko-KR" altLang="en-US"/>
           </a:p>
@@ -679,7 +681,7 @@
           <a:p>
             <a:fld id="{C25BCFD5-C4DF-4EBC-B718-C69ED2FBDE6F}" type="datetime1">
               <a:rPr lang="ko-KR" altLang="en-US" smtClean="0"/>
-              <a:t>2023-04-27</a:t>
+              <a:t>2023-06-20</a:t>
             </a:fld>
             <a:endParaRPr lang="ko-KR" altLang="en-US"/>
           </a:p>
@@ -1130,7 +1132,7 @@
           <a:p>
             <a:fld id="{AB448CD7-D367-43D5-B461-ACE552E75063}" type="datetime1">
               <a:rPr lang="ko-KR" altLang="en-US" smtClean="0"/>
-              <a:t>2023-04-27</a:t>
+              <a:t>2023-06-20</a:t>
             </a:fld>
             <a:endParaRPr lang="ko-KR" altLang="en-US"/>
           </a:p>
@@ -1308,7 +1310,7 @@
           <a:p>
             <a:fld id="{B6E49E79-7361-4780-8BEF-7EDE3708298A}" type="datetime1">
               <a:rPr lang="ko-KR" altLang="en-US" smtClean="0"/>
-              <a:t>2023-04-27</a:t>
+              <a:t>2023-06-20</a:t>
             </a:fld>
             <a:endParaRPr lang="ko-KR" altLang="en-US"/>
           </a:p>
@@ -1480,7 +1482,7 @@
           <a:p>
             <a:fld id="{A4D42E3C-B70B-437C-85CF-1286301B9CBA}" type="datetime1">
               <a:rPr lang="ko-KR" altLang="en-US" smtClean="0"/>
-              <a:t>2023-04-27</a:t>
+              <a:t>2023-06-20</a:t>
             </a:fld>
             <a:endParaRPr lang="ko-KR" altLang="en-US"/>
           </a:p>
@@ -1732,7 +1734,7 @@
           <a:p>
             <a:fld id="{B3369A20-5B3D-4D98-A822-26B93D177A40}" type="datetime1">
               <a:rPr lang="ko-KR" altLang="en-US" smtClean="0"/>
-              <a:t>2023-04-27</a:t>
+              <a:t>2023-06-20</a:t>
             </a:fld>
             <a:endParaRPr lang="ko-KR" altLang="en-US"/>
           </a:p>
@@ -2017,7 +2019,7 @@
           <a:p>
             <a:fld id="{685CD4CE-9E43-4F70-A9D8-A2130CA7D92A}" type="datetime1">
               <a:rPr lang="ko-KR" altLang="en-US" smtClean="0"/>
-              <a:t>2023-04-27</a:t>
+              <a:t>2023-06-20</a:t>
             </a:fld>
             <a:endParaRPr lang="ko-KR" altLang="en-US"/>
           </a:p>
@@ -2443,7 +2445,7 @@
           <a:p>
             <a:fld id="{F752BD92-DA3E-4A0B-90C9-7DE5E15B6E96}" type="datetime1">
               <a:rPr lang="ko-KR" altLang="en-US" smtClean="0"/>
-              <a:t>2023-04-27</a:t>
+              <a:t>2023-06-20</a:t>
             </a:fld>
             <a:endParaRPr lang="ko-KR" altLang="en-US"/>
           </a:p>
@@ -2567,7 +2569,7 @@
           <a:p>
             <a:fld id="{8EA2B83A-F366-424E-B742-340ACF856BB5}" type="datetime1">
               <a:rPr lang="ko-KR" altLang="en-US" smtClean="0"/>
-              <a:t>2023-04-27</a:t>
+              <a:t>2023-06-20</a:t>
             </a:fld>
             <a:endParaRPr lang="ko-KR" altLang="en-US"/>
           </a:p>
@@ -2662,7 +2664,7 @@
           <a:p>
             <a:fld id="{9A49D68B-5DBD-48E9-A8D4-FCBC4B3DD9C6}" type="datetime1">
               <a:rPr lang="ko-KR" altLang="en-US" smtClean="0"/>
-              <a:t>2023-04-27</a:t>
+              <a:t>2023-06-20</a:t>
             </a:fld>
             <a:endParaRPr lang="ko-KR" altLang="en-US"/>
           </a:p>
@@ -2937,7 +2939,7 @@
           <a:p>
             <a:fld id="{4CAB534F-7D16-467B-9320-91F98915D181}" type="datetime1">
               <a:rPr lang="ko-KR" altLang="en-US" smtClean="0"/>
-              <a:t>2023-04-27</a:t>
+              <a:t>2023-06-20</a:t>
             </a:fld>
             <a:endParaRPr lang="ko-KR" altLang="en-US"/>
           </a:p>
@@ -3189,7 +3191,7 @@
           <a:p>
             <a:fld id="{A390A91F-2F8D-4486-A69D-D680F95444B0}" type="datetime1">
               <a:rPr lang="ko-KR" altLang="en-US" smtClean="0"/>
-              <a:t>2023-04-27</a:t>
+              <a:t>2023-06-20</a:t>
             </a:fld>
             <a:endParaRPr lang="ko-KR" altLang="en-US"/>
           </a:p>
@@ -3368,7 +3370,7 @@
           <a:p>
             <a:fld id="{2238BBEA-E8DD-414A-BF68-FC2AFA7CFF2D}" type="datetime1">
               <a:rPr lang="ko-KR" altLang="en-US" smtClean="0"/>
-              <a:t>2023-04-27</a:t>
+              <a:t>2023-06-20</a:t>
             </a:fld>
             <a:endParaRPr lang="ko-KR" altLang="en-US"/>
           </a:p>
@@ -10634,9 +10636,6 @@
               </a:rPr>
               <a:t> </a:t>
             </a:r>
-            <a:endParaRPr lang="en-US" altLang="ko-KR" sz="2000" dirty="0" smtClean="0">
-              <a:latin typeface="+mn-ea"/>
-            </a:endParaRPr>
           </a:p>
         </p:txBody>
       </p:sp>
@@ -23057,11 +23056,7 @@
             </a:pPr>
             <a:r>
               <a:rPr lang="ko-KR" altLang="en-US" sz="2000" b="1" dirty="0" smtClean="0"/>
-              <a:t>단위 변환기 </a:t>
-            </a:r>
-            <a:r>
-              <a:rPr lang="ko-KR" altLang="en-US" sz="2000" b="1" dirty="0" smtClean="0"/>
-              <a:t>클래스 만들기</a:t>
+              <a:t>단위 변환기 클래스 만들기</a:t>
             </a:r>
             <a:endParaRPr lang="en-US" altLang="ko-KR" sz="2000" b="1" dirty="0" smtClean="0"/>
           </a:p>
@@ -23377,11 +23372,7 @@
             </a:pPr>
             <a:r>
               <a:rPr lang="ko-KR" altLang="en-US" sz="2000" b="1" dirty="0" smtClean="0"/>
-              <a:t>단위 변환기 </a:t>
-            </a:r>
-            <a:r>
-              <a:rPr lang="ko-KR" altLang="en-US" sz="2000" b="1" dirty="0" smtClean="0"/>
-              <a:t>클래스 만들기</a:t>
+              <a:t>단위 변환기 클래스 만들기</a:t>
             </a:r>
           </a:p>
           <a:p>
@@ -23396,15 +23387,7 @@
                   <a:srgbClr val="C00000"/>
                 </a:solidFill>
               </a:rPr>
-              <a:t>2inches</a:t>
-            </a:r>
-            <a:r>
-              <a:rPr lang="en-US" altLang="ko-KR" sz="1800" b="1" dirty="0" smtClean="0">
-                <a:solidFill>
-                  <a:srgbClr val="C00000"/>
-                </a:solidFill>
-              </a:rPr>
-              <a:t> = 2mm x 25</a:t>
+              <a:t>2inches = 2mm x 25</a:t>
             </a:r>
             <a:endParaRPr lang="en-US" altLang="ko-KR" sz="1400" b="1" dirty="0">
               <a:solidFill>
@@ -29466,6 +29449,953 @@
     <p:extLst>
       <p:ext uri="{BB962C8B-B14F-4D97-AF65-F5344CB8AC3E}">
         <p14:creationId xmlns:p14="http://schemas.microsoft.com/office/powerpoint/2010/main" val="1469611028"/>
+      </p:ext>
+    </p:extLst>
+  </p:cSld>
+  <p:clrMapOvr>
+    <a:masterClrMapping/>
+  </p:clrMapOvr>
+  <p:timing>
+    <p:tnLst>
+      <p:par>
+        <p:cTn id="1" dur="indefinite" restart="never" nodeType="tmRoot"/>
+      </p:par>
+    </p:tnLst>
+  </p:timing>
+</p:sld>
+</file>
+
+<file path=ppt/slides/slide61.xml><?xml version="1.0" encoding="utf-8"?>
+<p:sld xmlns:a="http://schemas.openxmlformats.org/drawingml/2006/main" xmlns:r="http://schemas.openxmlformats.org/officeDocument/2006/relationships" xmlns:p="http://schemas.openxmlformats.org/presentationml/2006/main">
+  <p:cSld>
+    <p:spTree>
+      <p:nvGrpSpPr>
+        <p:cNvPr id="1" name=""/>
+        <p:cNvGrpSpPr/>
+        <p:nvPr/>
+      </p:nvGrpSpPr>
+      <p:grpSpPr>
+        <a:xfrm>
+          <a:off x="0" y="0"/>
+          <a:ext cx="0" cy="0"/>
+          <a:chOff x="0" y="0"/>
+          <a:chExt cx="0" cy="0"/>
+        </a:xfrm>
+      </p:grpSpPr>
+      <p:sp>
+        <p:nvSpPr>
+          <p:cNvPr id="6" name="제목 5"/>
+          <p:cNvSpPr>
+            <a:spLocks noGrp="1"/>
+          </p:cNvSpPr>
+          <p:nvPr>
+            <p:ph type="title"/>
+          </p:nvPr>
+        </p:nvSpPr>
+        <p:spPr/>
+        <p:txBody>
+          <a:bodyPr/>
+          <a:lstStyle/>
+          <a:p>
+            <a:r>
+              <a:rPr lang="en-US" altLang="ko-KR" dirty="0" smtClean="0"/>
+              <a:t> </a:t>
+            </a:r>
+            <a:r>
+              <a:rPr lang="ko-KR" altLang="en-US" dirty="0" smtClean="0"/>
+              <a:t>내부</a:t>
+            </a:r>
+            <a:r>
+              <a:rPr lang="en-US" altLang="ko-KR" dirty="0" smtClean="0"/>
+              <a:t>(</a:t>
+            </a:r>
+            <a:r>
+              <a:rPr lang="ko-KR" altLang="en-US" dirty="0" smtClean="0"/>
+              <a:t>중첩</a:t>
+            </a:r>
+            <a:r>
+              <a:rPr lang="en-US" altLang="ko-KR" dirty="0" smtClean="0"/>
+              <a:t>)</a:t>
+            </a:r>
+            <a:r>
+              <a:rPr lang="ko-KR" altLang="en-US" dirty="0" smtClean="0"/>
+              <a:t> </a:t>
+            </a:r>
+            <a:r>
+              <a:rPr lang="ko-KR" altLang="en-US" dirty="0" smtClean="0"/>
+              <a:t>클래스</a:t>
+            </a:r>
+            <a:endParaRPr lang="ko-KR" altLang="en-US" dirty="0"/>
+          </a:p>
+        </p:txBody>
+      </p:sp>
+      <p:sp>
+        <p:nvSpPr>
+          <p:cNvPr id="5" name="슬라이드 번호 개체 틀 4"/>
+          <p:cNvSpPr>
+            <a:spLocks noGrp="1"/>
+          </p:cNvSpPr>
+          <p:nvPr>
+            <p:ph type="sldNum" sz="quarter" idx="12"/>
+          </p:nvPr>
+        </p:nvSpPr>
+        <p:spPr>
+          <a:xfrm>
+            <a:off x="8853433" y="7312347"/>
+            <a:ext cx="557267" cy="365125"/>
+          </a:xfrm>
+        </p:spPr>
+        <p:txBody>
+          <a:bodyPr/>
+          <a:lstStyle/>
+          <a:p>
+            <a:fld id="{1BDE3FE7-3AEA-4B05-AC5A-802D1816ACF0}" type="slidenum">
+              <a:rPr lang="ko-KR" altLang="en-US" smtClean="0"/>
+              <a:t>61</a:t>
+            </a:fld>
+            <a:endParaRPr lang="ko-KR" altLang="en-US"/>
+          </a:p>
+        </p:txBody>
+      </p:sp>
+      <p:sp>
+        <p:nvSpPr>
+          <p:cNvPr id="10" name="내용 개체 틀 2">
+            <a:extLst>
+              <a:ext uri="{FF2B5EF4-FFF2-40B4-BE49-F238E27FC236}">
+                <a16:creationId xmlns:a16="http://schemas.microsoft.com/office/drawing/2014/main" id="{98AF3A4E-7D90-4241-89FE-799D6F9D5A94}"/>
+              </a:ext>
+            </a:extLst>
+          </p:cNvPr>
+          <p:cNvSpPr txBox="1">
+            <a:spLocks/>
+          </p:cNvSpPr>
+          <p:nvPr/>
+        </p:nvSpPr>
+        <p:spPr>
+          <a:xfrm>
+            <a:off x="794179" y="1268760"/>
+            <a:ext cx="8613547" cy="1952731"/>
+          </a:xfrm>
+          <a:prstGeom prst="rect">
+            <a:avLst/>
+          </a:prstGeom>
+        </p:spPr>
+        <p:txBody>
+          <a:bodyPr/>
+          <a:lstStyle>
+            <a:lvl1pPr marL="228600" indent="-228600" algn="l" defTabSz="914400" rtl="0" eaLnBrk="1" latinLnBrk="1" hangingPunct="1">
+              <a:lnSpc>
+                <a:spcPct val="90000"/>
+              </a:lnSpc>
+              <a:spcBef>
+                <a:spcPts val="1000"/>
+              </a:spcBef>
+              <a:buFont typeface="Arial" panose="020B0604020202020204" pitchFamily="34" charset="0"/>
+              <a:buChar char="•"/>
+              <a:defRPr sz="2800" kern="1200">
+                <a:solidFill>
+                  <a:schemeClr val="tx1"/>
+                </a:solidFill>
+                <a:latin typeface="+mn-lt"/>
+                <a:ea typeface="+mn-ea"/>
+                <a:cs typeface="+mn-cs"/>
+              </a:defRPr>
+            </a:lvl1pPr>
+            <a:lvl2pPr marL="685800" indent="-228600" algn="l" defTabSz="914400" rtl="0" eaLnBrk="1" latinLnBrk="1" hangingPunct="1">
+              <a:lnSpc>
+                <a:spcPct val="90000"/>
+              </a:lnSpc>
+              <a:spcBef>
+                <a:spcPts val="500"/>
+              </a:spcBef>
+              <a:buFont typeface="Arial" panose="020B0604020202020204" pitchFamily="34" charset="0"/>
+              <a:buChar char="•"/>
+              <a:defRPr sz="2400" kern="1200">
+                <a:solidFill>
+                  <a:schemeClr val="tx1"/>
+                </a:solidFill>
+                <a:latin typeface="+mn-lt"/>
+                <a:ea typeface="+mn-ea"/>
+                <a:cs typeface="+mn-cs"/>
+              </a:defRPr>
+            </a:lvl2pPr>
+            <a:lvl3pPr marL="1143000" indent="-228600" algn="l" defTabSz="914400" rtl="0" eaLnBrk="1" latinLnBrk="1" hangingPunct="1">
+              <a:lnSpc>
+                <a:spcPct val="90000"/>
+              </a:lnSpc>
+              <a:spcBef>
+                <a:spcPts val="500"/>
+              </a:spcBef>
+              <a:buFont typeface="Arial" panose="020B0604020202020204" pitchFamily="34" charset="0"/>
+              <a:buChar char="•"/>
+              <a:defRPr sz="2000" kern="1200">
+                <a:solidFill>
+                  <a:schemeClr val="tx1"/>
+                </a:solidFill>
+                <a:latin typeface="+mn-lt"/>
+                <a:ea typeface="+mn-ea"/>
+                <a:cs typeface="+mn-cs"/>
+              </a:defRPr>
+            </a:lvl3pPr>
+            <a:lvl4pPr marL="1600200" indent="-228600" algn="l" defTabSz="914400" rtl="0" eaLnBrk="1" latinLnBrk="1" hangingPunct="1">
+              <a:lnSpc>
+                <a:spcPct val="90000"/>
+              </a:lnSpc>
+              <a:spcBef>
+                <a:spcPts val="500"/>
+              </a:spcBef>
+              <a:buFont typeface="Arial" panose="020B0604020202020204" pitchFamily="34" charset="0"/>
+              <a:buChar char="•"/>
+              <a:defRPr sz="1800" kern="1200">
+                <a:solidFill>
+                  <a:schemeClr val="tx1"/>
+                </a:solidFill>
+                <a:latin typeface="+mn-lt"/>
+                <a:ea typeface="+mn-ea"/>
+                <a:cs typeface="+mn-cs"/>
+              </a:defRPr>
+            </a:lvl4pPr>
+            <a:lvl5pPr marL="2057400" indent="-228600" algn="l" defTabSz="914400" rtl="0" eaLnBrk="1" latinLnBrk="1" hangingPunct="1">
+              <a:lnSpc>
+                <a:spcPct val="90000"/>
+              </a:lnSpc>
+              <a:spcBef>
+                <a:spcPts val="500"/>
+              </a:spcBef>
+              <a:buFont typeface="Arial" panose="020B0604020202020204" pitchFamily="34" charset="0"/>
+              <a:buChar char="•"/>
+              <a:defRPr sz="1800" kern="1200">
+                <a:solidFill>
+                  <a:schemeClr val="tx1"/>
+                </a:solidFill>
+                <a:latin typeface="+mn-lt"/>
+                <a:ea typeface="+mn-ea"/>
+                <a:cs typeface="+mn-cs"/>
+              </a:defRPr>
+            </a:lvl5pPr>
+            <a:lvl6pPr marL="2514600" indent="-228600" algn="l" defTabSz="914400" rtl="0" eaLnBrk="1" latinLnBrk="1" hangingPunct="1">
+              <a:lnSpc>
+                <a:spcPct val="90000"/>
+              </a:lnSpc>
+              <a:spcBef>
+                <a:spcPts val="500"/>
+              </a:spcBef>
+              <a:buFont typeface="Arial" panose="020B0604020202020204" pitchFamily="34" charset="0"/>
+              <a:buChar char="•"/>
+              <a:defRPr sz="1800" kern="1200">
+                <a:solidFill>
+                  <a:schemeClr val="tx1"/>
+                </a:solidFill>
+                <a:latin typeface="+mn-lt"/>
+                <a:ea typeface="+mn-ea"/>
+                <a:cs typeface="+mn-cs"/>
+              </a:defRPr>
+            </a:lvl6pPr>
+            <a:lvl7pPr marL="2971800" indent="-228600" algn="l" defTabSz="914400" rtl="0" eaLnBrk="1" latinLnBrk="1" hangingPunct="1">
+              <a:lnSpc>
+                <a:spcPct val="90000"/>
+              </a:lnSpc>
+              <a:spcBef>
+                <a:spcPts val="500"/>
+              </a:spcBef>
+              <a:buFont typeface="Arial" panose="020B0604020202020204" pitchFamily="34" charset="0"/>
+              <a:buChar char="•"/>
+              <a:defRPr sz="1800" kern="1200">
+                <a:solidFill>
+                  <a:schemeClr val="tx1"/>
+                </a:solidFill>
+                <a:latin typeface="+mn-lt"/>
+                <a:ea typeface="+mn-ea"/>
+                <a:cs typeface="+mn-cs"/>
+              </a:defRPr>
+            </a:lvl7pPr>
+            <a:lvl8pPr marL="3429000" indent="-228600" algn="l" defTabSz="914400" rtl="0" eaLnBrk="1" latinLnBrk="1" hangingPunct="1">
+              <a:lnSpc>
+                <a:spcPct val="90000"/>
+              </a:lnSpc>
+              <a:spcBef>
+                <a:spcPts val="500"/>
+              </a:spcBef>
+              <a:buFont typeface="Arial" panose="020B0604020202020204" pitchFamily="34" charset="0"/>
+              <a:buChar char="•"/>
+              <a:defRPr sz="1800" kern="1200">
+                <a:solidFill>
+                  <a:schemeClr val="tx1"/>
+                </a:solidFill>
+                <a:latin typeface="+mn-lt"/>
+                <a:ea typeface="+mn-ea"/>
+                <a:cs typeface="+mn-cs"/>
+              </a:defRPr>
+            </a:lvl8pPr>
+            <a:lvl9pPr marL="3886200" indent="-228600" algn="l" defTabSz="914400" rtl="0" eaLnBrk="1" latinLnBrk="1" hangingPunct="1">
+              <a:lnSpc>
+                <a:spcPct val="90000"/>
+              </a:lnSpc>
+              <a:spcBef>
+                <a:spcPts val="500"/>
+              </a:spcBef>
+              <a:buFont typeface="Arial" panose="020B0604020202020204" pitchFamily="34" charset="0"/>
+              <a:buChar char="•"/>
+              <a:defRPr sz="1800" kern="1200">
+                <a:solidFill>
+                  <a:schemeClr val="tx1"/>
+                </a:solidFill>
+                <a:latin typeface="+mn-lt"/>
+                <a:ea typeface="+mn-ea"/>
+                <a:cs typeface="+mn-cs"/>
+              </a:defRPr>
+            </a:lvl9pPr>
+          </a:lstStyle>
+          <a:p>
+            <a:pPr marL="0" indent="0">
+              <a:lnSpc>
+                <a:spcPct val="150000"/>
+              </a:lnSpc>
+              <a:buNone/>
+            </a:pPr>
+            <a:r>
+              <a:rPr lang="ko-KR" altLang="en-US" sz="2000" b="1" dirty="0" smtClean="0">
+                <a:solidFill>
+                  <a:srgbClr val="C00000"/>
+                </a:solidFill>
+              </a:rPr>
+              <a:t> </a:t>
+            </a:r>
+            <a:r>
+              <a:rPr lang="ko-KR" altLang="en-US" sz="2000" b="1" dirty="0" smtClean="0"/>
+              <a:t>내부 클래스 정의와 유형</a:t>
+            </a:r>
+            <a:endParaRPr lang="en-US" altLang="ko-KR" sz="2000" b="1" dirty="0" smtClean="0"/>
+          </a:p>
+          <a:p>
+            <a:pPr lvl="1">
+              <a:lnSpc>
+                <a:spcPct val="150000"/>
+              </a:lnSpc>
+              <a:buFont typeface="Wingdings" panose="05000000000000000000" pitchFamily="2" charset="2"/>
+              <a:buChar char="ü"/>
+            </a:pPr>
+            <a:r>
+              <a:rPr lang="en-US" altLang="ko-KR" sz="1800" dirty="0" smtClean="0">
+                <a:latin typeface="+mn-ea"/>
+              </a:rPr>
+              <a:t> </a:t>
+            </a:r>
+            <a:r>
+              <a:rPr lang="ko-KR" altLang="en-US" sz="1600" dirty="0" smtClean="0">
+                <a:latin typeface="+mn-ea"/>
+              </a:rPr>
+              <a:t>클래스 내부에 선언한 클래스</a:t>
+            </a:r>
+            <a:r>
+              <a:rPr lang="en-US" altLang="ko-KR" sz="1600" dirty="0" smtClean="0">
+                <a:latin typeface="+mn-ea"/>
+              </a:rPr>
+              <a:t>(inner class), </a:t>
+            </a:r>
+            <a:r>
+              <a:rPr lang="ko-KR" altLang="en-US" sz="1600" dirty="0" smtClean="0">
+                <a:latin typeface="+mn-ea"/>
+              </a:rPr>
+              <a:t>중첩 클래스라고도 한다</a:t>
+            </a:r>
+            <a:r>
+              <a:rPr lang="en-US" altLang="ko-KR" sz="1600" dirty="0" smtClean="0">
+                <a:latin typeface="+mn-ea"/>
+              </a:rPr>
+              <a:t>.</a:t>
+            </a:r>
+          </a:p>
+          <a:p>
+            <a:pPr lvl="1">
+              <a:lnSpc>
+                <a:spcPct val="150000"/>
+              </a:lnSpc>
+              <a:buFont typeface="Wingdings" panose="05000000000000000000" pitchFamily="2" charset="2"/>
+              <a:buChar char="ü"/>
+            </a:pPr>
+            <a:r>
+              <a:rPr lang="en-US" altLang="ko-KR" sz="1600" dirty="0">
+                <a:latin typeface="+mn-ea"/>
+              </a:rPr>
+              <a:t> </a:t>
+            </a:r>
+            <a:r>
+              <a:rPr lang="ko-KR" altLang="en-US" sz="1600" dirty="0" smtClean="0">
+                <a:solidFill>
+                  <a:srgbClr val="C00000"/>
+                </a:solidFill>
+                <a:latin typeface="+mn-ea"/>
+              </a:rPr>
+              <a:t>내부에 클래스를 선언한 이유</a:t>
+            </a:r>
+            <a:r>
+              <a:rPr lang="ko-KR" altLang="en-US" sz="1600" dirty="0" smtClean="0">
+                <a:latin typeface="+mn-ea"/>
+              </a:rPr>
+              <a:t>는 이 클래스와 외부 클래스가 밀접한 관련이 있거나  다른 클래스와 협력할 일이 없는 경우에 사용한다</a:t>
+            </a:r>
+            <a:r>
+              <a:rPr lang="en-US" altLang="ko-KR" sz="1600" dirty="0" smtClean="0">
+                <a:latin typeface="+mn-ea"/>
+              </a:rPr>
+              <a:t>.</a:t>
+            </a:r>
+            <a:endParaRPr lang="en-US" altLang="ko-KR" sz="1600" dirty="0">
+              <a:latin typeface="+mn-ea"/>
+            </a:endParaRPr>
+          </a:p>
+          <a:p>
+            <a:pPr marL="800100" lvl="1" indent="-342900">
+              <a:lnSpc>
+                <a:spcPct val="150000"/>
+              </a:lnSpc>
+              <a:buFont typeface="+mj-lt"/>
+              <a:buAutoNum type="arabicPeriod"/>
+            </a:pPr>
+            <a:endParaRPr lang="en-US" altLang="ko-KR" sz="1800" b="1" dirty="0" smtClean="0"/>
+          </a:p>
+          <a:p>
+            <a:pPr marL="457200" lvl="1" indent="0">
+              <a:lnSpc>
+                <a:spcPct val="150000"/>
+              </a:lnSpc>
+              <a:buNone/>
+            </a:pPr>
+            <a:endParaRPr lang="en-US" altLang="ko-KR" sz="1400" b="1" dirty="0" smtClean="0">
+              <a:solidFill>
+                <a:srgbClr val="002060"/>
+              </a:solidFill>
+            </a:endParaRPr>
+          </a:p>
+        </p:txBody>
+      </p:sp>
+      <p:sp>
+        <p:nvSpPr>
+          <p:cNvPr id="8" name="직사각형 7"/>
+          <p:cNvSpPr/>
+          <p:nvPr/>
+        </p:nvSpPr>
+        <p:spPr>
+          <a:xfrm>
+            <a:off x="2864768" y="3392996"/>
+            <a:ext cx="2539942" cy="2664296"/>
+          </a:xfrm>
+          <a:prstGeom prst="rect">
+            <a:avLst/>
+          </a:prstGeom>
+          <a:solidFill>
+            <a:schemeClr val="bg1">
+              <a:lumMod val="95000"/>
+            </a:schemeClr>
+          </a:solidFill>
+          <a:ln>
+            <a:noFill/>
+          </a:ln>
+          <a:effectLst/>
+        </p:spPr>
+        <p:style>
+          <a:lnRef idx="1">
+            <a:schemeClr val="accent2"/>
+          </a:lnRef>
+          <a:fillRef idx="2">
+            <a:schemeClr val="accent2"/>
+          </a:fillRef>
+          <a:effectRef idx="1">
+            <a:schemeClr val="accent2"/>
+          </a:effectRef>
+          <a:fontRef idx="minor">
+            <a:schemeClr val="dk1"/>
+          </a:fontRef>
+        </p:style>
+        <p:txBody>
+          <a:bodyPr rtlCol="0" anchor="ctr"/>
+          <a:lstStyle/>
+          <a:p>
+            <a:r>
+              <a:rPr lang="en-US" altLang="ko-KR" dirty="0" smtClean="0">
+                <a:latin typeface="+mn-ea"/>
+              </a:rPr>
+              <a:t>   class Out:</a:t>
+            </a:r>
+          </a:p>
+          <a:p>
+            <a:endParaRPr lang="en-US" altLang="ko-KR" dirty="0" smtClean="0">
+              <a:latin typeface="+mn-ea"/>
+            </a:endParaRPr>
+          </a:p>
+          <a:p>
+            <a:r>
+              <a:rPr lang="en-US" altLang="ko-KR" dirty="0">
+                <a:latin typeface="+mn-ea"/>
+              </a:rPr>
+              <a:t> </a:t>
+            </a:r>
+            <a:r>
+              <a:rPr lang="en-US" altLang="ko-KR" dirty="0" smtClean="0">
+                <a:latin typeface="+mn-ea"/>
+              </a:rPr>
+              <a:t>   </a:t>
+            </a:r>
+            <a:r>
+              <a:rPr lang="en-US" altLang="ko-KR" dirty="0" smtClean="0">
+                <a:latin typeface="+mn-ea"/>
+              </a:rPr>
+              <a:t>   class In:</a:t>
+            </a:r>
+            <a:endParaRPr lang="en-US" altLang="ko-KR" dirty="0" smtClean="0">
+              <a:latin typeface="+mn-ea"/>
+            </a:endParaRPr>
+          </a:p>
+          <a:p>
+            <a:r>
+              <a:rPr lang="en-US" altLang="ko-KR" dirty="0" smtClean="0">
+                <a:latin typeface="+mn-ea"/>
+              </a:rPr>
+              <a:t>      </a:t>
+            </a:r>
+            <a:r>
+              <a:rPr lang="en-US" altLang="ko-KR" dirty="0" smtClean="0">
+                <a:latin typeface="+mn-ea"/>
+              </a:rPr>
+              <a:t>     …..</a:t>
+            </a:r>
+            <a:endParaRPr lang="en-US" altLang="ko-KR" dirty="0">
+              <a:latin typeface="+mn-ea"/>
+            </a:endParaRPr>
+          </a:p>
+          <a:p>
+            <a:r>
+              <a:rPr lang="en-US" altLang="ko-KR" dirty="0" smtClean="0">
+                <a:latin typeface="+mn-ea"/>
+              </a:rPr>
+              <a:t>    </a:t>
+            </a:r>
+          </a:p>
+          <a:p>
+            <a:endParaRPr lang="en-US" altLang="ko-KR" dirty="0">
+              <a:latin typeface="+mn-ea"/>
+            </a:endParaRPr>
+          </a:p>
+        </p:txBody>
+      </p:sp>
+      <p:sp>
+        <p:nvSpPr>
+          <p:cNvPr id="14" name="모서리가 둥근 직사각형 13"/>
+          <p:cNvSpPr/>
+          <p:nvPr/>
+        </p:nvSpPr>
+        <p:spPr>
+          <a:xfrm>
+            <a:off x="5533172" y="3933056"/>
+            <a:ext cx="1364044" cy="432048"/>
+          </a:xfrm>
+          <a:prstGeom prst="roundRect">
+            <a:avLst>
+              <a:gd name="adj" fmla="val 13110"/>
+            </a:avLst>
+          </a:prstGeom>
+          <a:ln/>
+        </p:spPr>
+        <p:style>
+          <a:lnRef idx="2">
+            <a:schemeClr val="accent4"/>
+          </a:lnRef>
+          <a:fillRef idx="1">
+            <a:schemeClr val="lt1"/>
+          </a:fillRef>
+          <a:effectRef idx="0">
+            <a:schemeClr val="accent4"/>
+          </a:effectRef>
+          <a:fontRef idx="minor">
+            <a:schemeClr val="dk1"/>
+          </a:fontRef>
+        </p:style>
+        <p:txBody>
+          <a:bodyPr rtlCol="0" anchor="ctr"/>
+          <a:lstStyle/>
+          <a:p>
+            <a:pPr algn="ctr"/>
+            <a:r>
+              <a:rPr lang="ko-KR" altLang="en-US" sz="1600" smtClean="0"/>
+              <a:t>외부 클래스</a:t>
+            </a:r>
+            <a:endParaRPr lang="ko-KR" altLang="en-US" sz="1600" dirty="0"/>
+          </a:p>
+        </p:txBody>
+      </p:sp>
+      <p:sp>
+        <p:nvSpPr>
+          <p:cNvPr id="15" name="모서리가 둥근 직사각형 14"/>
+          <p:cNvSpPr/>
+          <p:nvPr/>
+        </p:nvSpPr>
+        <p:spPr>
+          <a:xfrm>
+            <a:off x="3061130" y="3717032"/>
+            <a:ext cx="1891869" cy="2016224"/>
+          </a:xfrm>
+          <a:prstGeom prst="roundRect">
+            <a:avLst>
+              <a:gd name="adj" fmla="val 13110"/>
+            </a:avLst>
+          </a:prstGeom>
+          <a:noFill/>
+          <a:ln w="28575">
+            <a:solidFill>
+              <a:srgbClr val="7030A0"/>
+            </a:solidFill>
+            <a:prstDash val="sysDot"/>
+          </a:ln>
+        </p:spPr>
+        <p:style>
+          <a:lnRef idx="2">
+            <a:schemeClr val="accent1">
+              <a:shade val="50000"/>
+            </a:schemeClr>
+          </a:lnRef>
+          <a:fillRef idx="1">
+            <a:schemeClr val="accent1"/>
+          </a:fillRef>
+          <a:effectRef idx="0">
+            <a:schemeClr val="accent1"/>
+          </a:effectRef>
+          <a:fontRef idx="minor">
+            <a:schemeClr val="lt1"/>
+          </a:fontRef>
+        </p:style>
+        <p:txBody>
+          <a:bodyPr rtlCol="0" anchor="ctr"/>
+          <a:lstStyle/>
+          <a:p>
+            <a:pPr algn="ctr"/>
+            <a:endParaRPr lang="ko-KR" altLang="en-US"/>
+          </a:p>
+        </p:txBody>
+      </p:sp>
+      <p:sp>
+        <p:nvSpPr>
+          <p:cNvPr id="16" name="모서리가 둥근 직사각형 15"/>
+          <p:cNvSpPr/>
+          <p:nvPr/>
+        </p:nvSpPr>
+        <p:spPr>
+          <a:xfrm>
+            <a:off x="3296816" y="4365104"/>
+            <a:ext cx="1472844" cy="936104"/>
+          </a:xfrm>
+          <a:prstGeom prst="roundRect">
+            <a:avLst>
+              <a:gd name="adj" fmla="val 13110"/>
+            </a:avLst>
+          </a:prstGeom>
+          <a:noFill/>
+          <a:ln w="28575">
+            <a:solidFill>
+              <a:srgbClr val="7030A0"/>
+            </a:solidFill>
+            <a:prstDash val="sysDot"/>
+          </a:ln>
+        </p:spPr>
+        <p:style>
+          <a:lnRef idx="2">
+            <a:schemeClr val="accent1">
+              <a:shade val="50000"/>
+            </a:schemeClr>
+          </a:lnRef>
+          <a:fillRef idx="1">
+            <a:schemeClr val="accent1"/>
+          </a:fillRef>
+          <a:effectRef idx="0">
+            <a:schemeClr val="accent1"/>
+          </a:effectRef>
+          <a:fontRef idx="minor">
+            <a:schemeClr val="lt1"/>
+          </a:fontRef>
+        </p:style>
+        <p:txBody>
+          <a:bodyPr rtlCol="0" anchor="ctr"/>
+          <a:lstStyle/>
+          <a:p>
+            <a:pPr algn="ctr"/>
+            <a:endParaRPr lang="ko-KR" altLang="en-US"/>
+          </a:p>
+        </p:txBody>
+      </p:sp>
+      <p:sp>
+        <p:nvSpPr>
+          <p:cNvPr id="17" name="모서리가 둥근 직사각형 16"/>
+          <p:cNvSpPr/>
+          <p:nvPr/>
+        </p:nvSpPr>
+        <p:spPr>
+          <a:xfrm>
+            <a:off x="5541770" y="4653136"/>
+            <a:ext cx="1364044" cy="432048"/>
+          </a:xfrm>
+          <a:prstGeom prst="roundRect">
+            <a:avLst>
+              <a:gd name="adj" fmla="val 13110"/>
+            </a:avLst>
+          </a:prstGeom>
+          <a:ln/>
+        </p:spPr>
+        <p:style>
+          <a:lnRef idx="2">
+            <a:schemeClr val="accent4"/>
+          </a:lnRef>
+          <a:fillRef idx="1">
+            <a:schemeClr val="lt1"/>
+          </a:fillRef>
+          <a:effectRef idx="0">
+            <a:schemeClr val="accent4"/>
+          </a:effectRef>
+          <a:fontRef idx="minor">
+            <a:schemeClr val="dk1"/>
+          </a:fontRef>
+        </p:style>
+        <p:txBody>
+          <a:bodyPr rtlCol="0" anchor="ctr"/>
+          <a:lstStyle/>
+          <a:p>
+            <a:pPr algn="ctr"/>
+            <a:r>
+              <a:rPr lang="ko-KR" altLang="en-US" sz="1600" dirty="0" smtClean="0"/>
+              <a:t>내부 클래스</a:t>
+            </a:r>
+            <a:endParaRPr lang="ko-KR" altLang="en-US" sz="1600" dirty="0"/>
+          </a:p>
+        </p:txBody>
+      </p:sp>
+      <p:cxnSp>
+        <p:nvCxnSpPr>
+          <p:cNvPr id="3" name="직선 화살표 연결선 2"/>
+          <p:cNvCxnSpPr>
+            <a:endCxn id="14" idx="1"/>
+          </p:cNvCxnSpPr>
+          <p:nvPr/>
+        </p:nvCxnSpPr>
+        <p:spPr>
+          <a:xfrm>
+            <a:off x="4952999" y="4149080"/>
+            <a:ext cx="580173" cy="0"/>
+          </a:xfrm>
+          <a:prstGeom prst="straightConnector1">
+            <a:avLst/>
+          </a:prstGeom>
+          <a:ln w="12700">
+            <a:solidFill>
+              <a:srgbClr val="7030A0"/>
+            </a:solidFill>
+            <a:tailEnd type="triangle"/>
+          </a:ln>
+        </p:spPr>
+        <p:style>
+          <a:lnRef idx="1">
+            <a:schemeClr val="accent1"/>
+          </a:lnRef>
+          <a:fillRef idx="0">
+            <a:schemeClr val="accent1"/>
+          </a:fillRef>
+          <a:effectRef idx="0">
+            <a:schemeClr val="accent1"/>
+          </a:effectRef>
+          <a:fontRef idx="minor">
+            <a:schemeClr val="tx1"/>
+          </a:fontRef>
+        </p:style>
+      </p:cxnSp>
+      <p:cxnSp>
+        <p:nvCxnSpPr>
+          <p:cNvPr id="13" name="직선 화살표 연결선 12"/>
+          <p:cNvCxnSpPr>
+            <a:endCxn id="17" idx="1"/>
+          </p:cNvCxnSpPr>
+          <p:nvPr/>
+        </p:nvCxnSpPr>
+        <p:spPr>
+          <a:xfrm>
+            <a:off x="4769660" y="4869160"/>
+            <a:ext cx="772110" cy="0"/>
+          </a:xfrm>
+          <a:prstGeom prst="straightConnector1">
+            <a:avLst/>
+          </a:prstGeom>
+          <a:ln>
+            <a:solidFill>
+              <a:srgbClr val="7030A0"/>
+            </a:solidFill>
+            <a:tailEnd type="triangle"/>
+          </a:ln>
+        </p:spPr>
+        <p:style>
+          <a:lnRef idx="1">
+            <a:schemeClr val="accent1"/>
+          </a:lnRef>
+          <a:fillRef idx="0">
+            <a:schemeClr val="accent1"/>
+          </a:fillRef>
+          <a:effectRef idx="0">
+            <a:schemeClr val="accent1"/>
+          </a:effectRef>
+          <a:fontRef idx="minor">
+            <a:schemeClr val="tx1"/>
+          </a:fontRef>
+        </p:style>
+      </p:cxnSp>
+    </p:spTree>
+    <p:extLst>
+      <p:ext uri="{BB962C8B-B14F-4D97-AF65-F5344CB8AC3E}">
+        <p14:creationId xmlns:p14="http://schemas.microsoft.com/office/powerpoint/2010/main" val="2582229811"/>
+      </p:ext>
+    </p:extLst>
+  </p:cSld>
+  <p:clrMapOvr>
+    <a:masterClrMapping/>
+  </p:clrMapOvr>
+  <p:timing>
+    <p:tnLst>
+      <p:par>
+        <p:cTn id="1" dur="indefinite" restart="never" nodeType="tmRoot"/>
+      </p:par>
+    </p:tnLst>
+  </p:timing>
+</p:sld>
+</file>
+
+<file path=ppt/slides/slide62.xml><?xml version="1.0" encoding="utf-8"?>
+<p:sld xmlns:a="http://schemas.openxmlformats.org/drawingml/2006/main" xmlns:r="http://schemas.openxmlformats.org/officeDocument/2006/relationships" xmlns:p="http://schemas.openxmlformats.org/presentationml/2006/main">
+  <p:cSld>
+    <p:spTree>
+      <p:nvGrpSpPr>
+        <p:cNvPr id="1" name=""/>
+        <p:cNvGrpSpPr/>
+        <p:nvPr/>
+      </p:nvGrpSpPr>
+      <p:grpSpPr>
+        <a:xfrm>
+          <a:off x="0" y="0"/>
+          <a:ext cx="0" cy="0"/>
+          <a:chOff x="0" y="0"/>
+          <a:chExt cx="0" cy="0"/>
+        </a:xfrm>
+      </p:grpSpPr>
+      <p:sp>
+        <p:nvSpPr>
+          <p:cNvPr id="6" name="제목 5"/>
+          <p:cNvSpPr>
+            <a:spLocks noGrp="1"/>
+          </p:cNvSpPr>
+          <p:nvPr>
+            <p:ph type="title"/>
+          </p:nvPr>
+        </p:nvSpPr>
+        <p:spPr/>
+        <p:txBody>
+          <a:bodyPr/>
+          <a:lstStyle/>
+          <a:p>
+            <a:r>
+              <a:rPr lang="en-US" altLang="ko-KR" dirty="0" smtClean="0"/>
+              <a:t> </a:t>
+            </a:r>
+            <a:r>
+              <a:rPr lang="ko-KR" altLang="en-US" dirty="0" smtClean="0"/>
+              <a:t>내부</a:t>
+            </a:r>
+            <a:r>
+              <a:rPr lang="en-US" altLang="ko-KR" dirty="0" smtClean="0"/>
+              <a:t>(</a:t>
+            </a:r>
+            <a:r>
+              <a:rPr lang="ko-KR" altLang="en-US" dirty="0" smtClean="0"/>
+              <a:t>중첩</a:t>
+            </a:r>
+            <a:r>
+              <a:rPr lang="en-US" altLang="ko-KR" dirty="0" smtClean="0"/>
+              <a:t>)</a:t>
+            </a:r>
+            <a:r>
+              <a:rPr lang="ko-KR" altLang="en-US" dirty="0" smtClean="0"/>
+              <a:t> </a:t>
+            </a:r>
+            <a:r>
+              <a:rPr lang="ko-KR" altLang="en-US" dirty="0" smtClean="0"/>
+              <a:t>클래스</a:t>
+            </a:r>
+            <a:endParaRPr lang="ko-KR" altLang="en-US" dirty="0"/>
+          </a:p>
+        </p:txBody>
+      </p:sp>
+      <p:sp>
+        <p:nvSpPr>
+          <p:cNvPr id="5" name="슬라이드 번호 개체 틀 4"/>
+          <p:cNvSpPr>
+            <a:spLocks noGrp="1"/>
+          </p:cNvSpPr>
+          <p:nvPr>
+            <p:ph type="sldNum" sz="quarter" idx="12"/>
+          </p:nvPr>
+        </p:nvSpPr>
+        <p:spPr>
+          <a:xfrm>
+            <a:off x="8853433" y="7312347"/>
+            <a:ext cx="557267" cy="365125"/>
+          </a:xfrm>
+        </p:spPr>
+        <p:txBody>
+          <a:bodyPr/>
+          <a:lstStyle/>
+          <a:p>
+            <a:fld id="{1BDE3FE7-3AEA-4B05-AC5A-802D1816ACF0}" type="slidenum">
+              <a:rPr lang="ko-KR" altLang="en-US" smtClean="0"/>
+              <a:t>62</a:t>
+            </a:fld>
+            <a:endParaRPr lang="ko-KR" altLang="en-US"/>
+          </a:p>
+        </p:txBody>
+      </p:sp>
+      <p:pic>
+        <p:nvPicPr>
+          <p:cNvPr id="2" name="그림 1"/>
+          <p:cNvPicPr>
+            <a:picLocks noChangeAspect="1"/>
+          </p:cNvPicPr>
+          <p:nvPr/>
+        </p:nvPicPr>
+        <p:blipFill>
+          <a:blip r:embed="rId2">
+            <a:extLst>
+              <a:ext uri="{28A0092B-C50C-407E-A947-70E740481C1C}">
+                <a14:useLocalDpi xmlns:a14="http://schemas.microsoft.com/office/drawing/2010/main" val="0"/>
+              </a:ext>
+            </a:extLst>
+          </a:blip>
+          <a:stretch>
+            <a:fillRect/>
+          </a:stretch>
+        </p:blipFill>
+        <p:spPr>
+          <a:xfrm>
+            <a:off x="1712640" y="1340768"/>
+            <a:ext cx="4560086" cy="4608512"/>
+          </a:xfrm>
+          <a:prstGeom prst="rect">
+            <a:avLst/>
+          </a:prstGeom>
+          <a:ln>
+            <a:solidFill>
+              <a:schemeClr val="bg1">
+                <a:lumMod val="85000"/>
+              </a:schemeClr>
+            </a:solidFill>
+          </a:ln>
+        </p:spPr>
+      </p:pic>
+    </p:spTree>
+    <p:extLst>
+      <p:ext uri="{BB962C8B-B14F-4D97-AF65-F5344CB8AC3E}">
+        <p14:creationId xmlns:p14="http://schemas.microsoft.com/office/powerpoint/2010/main" val="1136194761"/>
       </p:ext>
     </p:extLst>
   </p:cSld>
